--- a/lecture/introduction/introduction_v1.pptx
+++ b/lecture/introduction/introduction_v1.pptx
@@ -6,19 +6,20 @@
     <p:sldMasterId id="2147483665" r:id="rId2"/>
   </p:sldMasterIdLst>
   <p:notesMasterIdLst>
-    <p:notesMasterId r:id="rId13"/>
+    <p:notesMasterId r:id="rId14"/>
   </p:notesMasterIdLst>
   <p:sldIdLst>
     <p:sldId id="256" r:id="rId3"/>
     <p:sldId id="295" r:id="rId4"/>
     <p:sldId id="338" r:id="rId5"/>
-    <p:sldId id="340" r:id="rId6"/>
-    <p:sldId id="339" r:id="rId7"/>
-    <p:sldId id="337" r:id="rId8"/>
-    <p:sldId id="336" r:id="rId9"/>
-    <p:sldId id="296" r:id="rId10"/>
-    <p:sldId id="341" r:id="rId11"/>
-    <p:sldId id="294" r:id="rId12"/>
+    <p:sldId id="342" r:id="rId6"/>
+    <p:sldId id="340" r:id="rId7"/>
+    <p:sldId id="339" r:id="rId8"/>
+    <p:sldId id="337" r:id="rId9"/>
+    <p:sldId id="336" r:id="rId10"/>
+    <p:sldId id="296" r:id="rId11"/>
+    <p:sldId id="341" r:id="rId12"/>
+    <p:sldId id="294" r:id="rId13"/>
   </p:sldIdLst>
   <p:sldSz cx="12192000" cy="6858000"/>
   <p:notesSz cx="6858000" cy="9144000"/>
@@ -207,7 +208,7 @@
           <a:p>
             <a:fld id="{085428F3-B408-4C73-B6CB-14C24F24D2AD}" type="datetimeFigureOut">
               <a:rPr lang="en-US" smtClean="0"/>
-              <a:t>4/16/2019</a:t>
+              <a:t>4/21/2019</a:t>
             </a:fld>
             <a:endParaRPr lang="en-US"/>
           </a:p>
@@ -708,7 +709,7 @@
           <a:p>
             <a:fld id="{00A68CA3-21CE-4263-9096-DD522C338350}" type="slidenum">
               <a:rPr lang="en-US" smtClean="0"/>
-              <a:t>5</a:t>
+              <a:t>6</a:t>
             </a:fld>
             <a:endParaRPr lang="en-US"/>
           </a:p>
@@ -792,7 +793,7 @@
           <a:p>
             <a:fld id="{00A68CA3-21CE-4263-9096-DD522C338350}" type="slidenum">
               <a:rPr lang="en-US" smtClean="0"/>
-              <a:t>6</a:t>
+              <a:t>7</a:t>
             </a:fld>
             <a:endParaRPr lang="en-US"/>
           </a:p>
@@ -876,7 +877,7 @@
           <a:p>
             <a:fld id="{00A68CA3-21CE-4263-9096-DD522C338350}" type="slidenum">
               <a:rPr lang="en-US" smtClean="0"/>
-              <a:t>7</a:t>
+              <a:t>8</a:t>
             </a:fld>
             <a:endParaRPr lang="en-US"/>
           </a:p>
@@ -1416,7 +1417,7 @@
           <a:p>
             <a:fld id="{EA5CD5D7-1376-454F-9D0D-56EF872F8D99}" type="datetimeFigureOut">
               <a:rPr lang="en-US" smtClean="0"/>
-              <a:t>4/16/2019</a:t>
+              <a:t>4/21/2019</a:t>
             </a:fld>
             <a:endParaRPr lang="en-US"/>
           </a:p>
@@ -3985,6 +3986,59 @@
           <a:p>
             <a:r>
               <a:rPr lang="en-US" dirty="0" smtClean="0"/>
+              <a:t>Color Scheme for Eye Strain</a:t>
+            </a:r>
+            <a:endParaRPr lang="en-US" dirty="0"/>
+          </a:p>
+        </p:txBody>
+      </p:sp>
+    </p:spTree>
+    <p:extLst>
+      <p:ext uri="{BB962C8B-B14F-4D97-AF65-F5344CB8AC3E}">
+        <p14:creationId xmlns:p14="http://schemas.microsoft.com/office/powerpoint/2010/main" val="4148279319"/>
+      </p:ext>
+    </p:extLst>
+  </p:cSld>
+  <p:clrMapOvr>
+    <a:masterClrMapping/>
+  </p:clrMapOvr>
+</p:sld>
+</file>
+
+<file path=ppt/slides/slide11.xml><?xml version="1.0" encoding="utf-8"?>
+<p:sld xmlns:a="http://schemas.openxmlformats.org/drawingml/2006/main" xmlns:r="http://schemas.openxmlformats.org/officeDocument/2006/relationships" xmlns:p="http://schemas.openxmlformats.org/presentationml/2006/main">
+  <p:cSld>
+    <p:spTree>
+      <p:nvGrpSpPr>
+        <p:cNvPr id="1" name=""/>
+        <p:cNvGrpSpPr/>
+        <p:nvPr/>
+      </p:nvGrpSpPr>
+      <p:grpSpPr>
+        <a:xfrm>
+          <a:off x="0" y="0"/>
+          <a:ext cx="0" cy="0"/>
+          <a:chOff x="0" y="0"/>
+          <a:chExt cx="0" cy="0"/>
+        </a:xfrm>
+      </p:grpSpPr>
+      <p:sp>
+        <p:nvSpPr>
+          <p:cNvPr id="2" name="Text Placeholder 1"/>
+          <p:cNvSpPr>
+            <a:spLocks noGrp="1"/>
+          </p:cNvSpPr>
+          <p:nvPr>
+            <p:ph type="body" sz="quarter" idx="10"/>
+          </p:nvPr>
+        </p:nvSpPr>
+        <p:spPr/>
+        <p:txBody>
+          <a:bodyPr/>
+          <a:lstStyle/>
+          <a:p>
+            <a:r>
+              <a:rPr lang="en-US" dirty="0" smtClean="0"/>
               <a:t>Slide Credits and References</a:t>
             </a:r>
             <a:endParaRPr lang="en-US" dirty="0"/>
@@ -4752,18 +4806,182 @@
           <a:bodyPr/>
           <a:lstStyle/>
           <a:p>
-            <a:r>
-              <a:rPr lang="en-US" dirty="0" smtClean="0"/>
-              <a:t>Grading</a:t>
-            </a:r>
-            <a:endParaRPr lang="en-US" dirty="0"/>
+            <a:endParaRPr lang="en-US"/>
+          </a:p>
+        </p:txBody>
+      </p:sp>
+      <p:sp>
+        <p:nvSpPr>
+          <p:cNvPr id="3" name="Rectangle 3"/>
+          <p:cNvSpPr txBox="1">
+            <a:spLocks/>
+          </p:cNvSpPr>
+          <p:nvPr/>
+        </p:nvSpPr>
+        <p:spPr>
+          <a:xfrm>
+            <a:off x="457200" y="1192213"/>
+            <a:ext cx="11080750" cy="4389437"/>
+          </a:xfrm>
+          <a:prstGeom prst="rect">
+            <a:avLst/>
+          </a:prstGeom>
+        </p:spPr>
+        <p:txBody>
+          <a:bodyPr/>
+          <a:lstStyle>
+            <a:lvl1pPr marL="342891" indent="-342891" algn="l" defTabSz="914377" rtl="0" eaLnBrk="1" latinLnBrk="0" hangingPunct="1">
+              <a:spcBef>
+                <a:spcPct val="20000"/>
+              </a:spcBef>
+              <a:buFont typeface="Arial" pitchFamily="34" charset="0"/>
+              <a:buChar char="•"/>
+              <a:defRPr sz="3200" kern="1200">
+                <a:solidFill>
+                  <a:schemeClr val="tx1"/>
+                </a:solidFill>
+                <a:latin typeface="+mn-lt"/>
+                <a:ea typeface="+mn-ea"/>
+                <a:cs typeface="+mn-cs"/>
+              </a:defRPr>
+            </a:lvl1pPr>
+            <a:lvl2pPr marL="742932" indent="-285744" algn="l" defTabSz="914377" rtl="0" eaLnBrk="1" latinLnBrk="0" hangingPunct="1">
+              <a:spcBef>
+                <a:spcPct val="20000"/>
+              </a:spcBef>
+              <a:buFont typeface="Arial" pitchFamily="34" charset="0"/>
+              <a:buChar char="–"/>
+              <a:defRPr sz="2800" kern="1200">
+                <a:solidFill>
+                  <a:schemeClr val="tx1"/>
+                </a:solidFill>
+                <a:latin typeface="+mn-lt"/>
+                <a:ea typeface="+mn-ea"/>
+                <a:cs typeface="+mn-cs"/>
+              </a:defRPr>
+            </a:lvl2pPr>
+            <a:lvl3pPr marL="1142971" indent="-228594" algn="l" defTabSz="914377" rtl="0" eaLnBrk="1" latinLnBrk="0" hangingPunct="1">
+              <a:spcBef>
+                <a:spcPct val="20000"/>
+              </a:spcBef>
+              <a:buFont typeface="Arial" pitchFamily="34" charset="0"/>
+              <a:buChar char="•"/>
+              <a:defRPr sz="2400" kern="1200">
+                <a:solidFill>
+                  <a:schemeClr val="tx1"/>
+                </a:solidFill>
+                <a:latin typeface="+mn-lt"/>
+                <a:ea typeface="+mn-ea"/>
+                <a:cs typeface="+mn-cs"/>
+              </a:defRPr>
+            </a:lvl3pPr>
+            <a:lvl4pPr marL="1600160" indent="-228594" algn="l" defTabSz="914377" rtl="0" eaLnBrk="1" latinLnBrk="0" hangingPunct="1">
+              <a:spcBef>
+                <a:spcPct val="20000"/>
+              </a:spcBef>
+              <a:buFont typeface="Arial" pitchFamily="34" charset="0"/>
+              <a:buChar char="–"/>
+              <a:defRPr sz="2000" kern="1200">
+                <a:solidFill>
+                  <a:schemeClr val="tx1"/>
+                </a:solidFill>
+                <a:latin typeface="+mn-lt"/>
+                <a:ea typeface="+mn-ea"/>
+                <a:cs typeface="+mn-cs"/>
+              </a:defRPr>
+            </a:lvl4pPr>
+            <a:lvl5pPr marL="2057349" indent="-228594" algn="l" defTabSz="914377" rtl="0" eaLnBrk="1" latinLnBrk="0" hangingPunct="1">
+              <a:spcBef>
+                <a:spcPct val="20000"/>
+              </a:spcBef>
+              <a:buFont typeface="Arial" pitchFamily="34" charset="0"/>
+              <a:buChar char="»"/>
+              <a:defRPr sz="2000" kern="1200">
+                <a:solidFill>
+                  <a:schemeClr val="tx1"/>
+                </a:solidFill>
+                <a:latin typeface="+mn-lt"/>
+                <a:ea typeface="+mn-ea"/>
+                <a:cs typeface="+mn-cs"/>
+              </a:defRPr>
+            </a:lvl5pPr>
+            <a:lvl6pPr marL="2514537" indent="-228594" algn="l" defTabSz="914377" rtl="0" eaLnBrk="1" latinLnBrk="0" hangingPunct="1">
+              <a:spcBef>
+                <a:spcPct val="20000"/>
+              </a:spcBef>
+              <a:buFont typeface="Arial" pitchFamily="34" charset="0"/>
+              <a:buChar char="•"/>
+              <a:defRPr sz="2000" kern="1200">
+                <a:solidFill>
+                  <a:schemeClr val="tx1"/>
+                </a:solidFill>
+                <a:latin typeface="+mn-lt"/>
+                <a:ea typeface="+mn-ea"/>
+                <a:cs typeface="+mn-cs"/>
+              </a:defRPr>
+            </a:lvl6pPr>
+            <a:lvl7pPr marL="2971726" indent="-228594" algn="l" defTabSz="914377" rtl="0" eaLnBrk="1" latinLnBrk="0" hangingPunct="1">
+              <a:spcBef>
+                <a:spcPct val="20000"/>
+              </a:spcBef>
+              <a:buFont typeface="Arial" pitchFamily="34" charset="0"/>
+              <a:buChar char="•"/>
+              <a:defRPr sz="2000" kern="1200">
+                <a:solidFill>
+                  <a:schemeClr val="tx1"/>
+                </a:solidFill>
+                <a:latin typeface="+mn-lt"/>
+                <a:ea typeface="+mn-ea"/>
+                <a:cs typeface="+mn-cs"/>
+              </a:defRPr>
+            </a:lvl7pPr>
+            <a:lvl8pPr marL="3428914" indent="-228594" algn="l" defTabSz="914377" rtl="0" eaLnBrk="1" latinLnBrk="0" hangingPunct="1">
+              <a:spcBef>
+                <a:spcPct val="20000"/>
+              </a:spcBef>
+              <a:buFont typeface="Arial" pitchFamily="34" charset="0"/>
+              <a:buChar char="•"/>
+              <a:defRPr sz="2000" kern="1200">
+                <a:solidFill>
+                  <a:schemeClr val="tx1"/>
+                </a:solidFill>
+                <a:latin typeface="+mn-lt"/>
+                <a:ea typeface="+mn-ea"/>
+                <a:cs typeface="+mn-cs"/>
+              </a:defRPr>
+            </a:lvl8pPr>
+            <a:lvl9pPr marL="3886103" indent="-228594" algn="l" defTabSz="914377" rtl="0" eaLnBrk="1" latinLnBrk="0" hangingPunct="1">
+              <a:spcBef>
+                <a:spcPct val="20000"/>
+              </a:spcBef>
+              <a:buFont typeface="Arial" pitchFamily="34" charset="0"/>
+              <a:buChar char="•"/>
+              <a:defRPr sz="2000" kern="1200">
+                <a:solidFill>
+                  <a:schemeClr val="tx1"/>
+                </a:solidFill>
+                <a:latin typeface="+mn-lt"/>
+                <a:ea typeface="+mn-ea"/>
+                <a:cs typeface="+mn-cs"/>
+              </a:defRPr>
+            </a:lvl9pPr>
+          </a:lstStyle>
+          <a:p>
+            <a:pPr marL="0" indent="0">
+              <a:buNone/>
+            </a:pPr>
+            <a:r>
+              <a:rPr lang="en-US" altLang="en-US" sz="2500" b="1" dirty="0" smtClean="0"/>
+              <a:t>Doc function !!!!</a:t>
+            </a:r>
+            <a:endParaRPr lang="en-US" altLang="en-US" sz="2500" b="1" dirty="0"/>
           </a:p>
         </p:txBody>
       </p:sp>
     </p:spTree>
     <p:extLst>
       <p:ext uri="{BB962C8B-B14F-4D97-AF65-F5344CB8AC3E}">
-        <p14:creationId xmlns:p14="http://schemas.microsoft.com/office/powerpoint/2010/main" val="4023255603"/>
+        <p14:creationId xmlns:p14="http://schemas.microsoft.com/office/powerpoint/2010/main" val="1542389937"/>
       </p:ext>
     </p:extLst>
   </p:cSld>
@@ -4806,229 +5024,23 @@
           <a:lstStyle/>
           <a:p>
             <a:r>
-              <a:rPr lang="en-US" altLang="en-US" dirty="0"/>
-              <a:t>Desktop Environment</a:t>
+              <a:rPr lang="en-US" dirty="0" smtClean="0"/>
+              <a:t>Grading</a:t>
             </a:r>
             <a:endParaRPr lang="en-US" dirty="0"/>
-          </a:p>
-        </p:txBody>
-      </p:sp>
-      <p:sp>
-        <p:nvSpPr>
-          <p:cNvPr id="3" name="Rectangle 3"/>
-          <p:cNvSpPr txBox="1">
-            <a:spLocks/>
-          </p:cNvSpPr>
-          <p:nvPr/>
-        </p:nvSpPr>
-        <p:spPr>
-          <a:xfrm>
-            <a:off x="457200" y="1192213"/>
-            <a:ext cx="11080750" cy="4389437"/>
-          </a:xfrm>
-          <a:prstGeom prst="rect">
-            <a:avLst/>
-          </a:prstGeom>
-        </p:spPr>
-        <p:txBody>
-          <a:bodyPr/>
-          <a:lstStyle>
-            <a:lvl1pPr marL="342891" indent="-342891" algn="l" defTabSz="914377" rtl="0" eaLnBrk="1" latinLnBrk="0" hangingPunct="1">
-              <a:spcBef>
-                <a:spcPct val="20000"/>
-              </a:spcBef>
-              <a:buFont typeface="Arial" pitchFamily="34" charset="0"/>
-              <a:buChar char="•"/>
-              <a:defRPr sz="3200" kern="1200">
-                <a:solidFill>
-                  <a:schemeClr val="tx1"/>
-                </a:solidFill>
-                <a:latin typeface="+mn-lt"/>
-                <a:ea typeface="+mn-ea"/>
-                <a:cs typeface="+mn-cs"/>
-              </a:defRPr>
-            </a:lvl1pPr>
-            <a:lvl2pPr marL="742932" indent="-285744" algn="l" defTabSz="914377" rtl="0" eaLnBrk="1" latinLnBrk="0" hangingPunct="1">
-              <a:spcBef>
-                <a:spcPct val="20000"/>
-              </a:spcBef>
-              <a:buFont typeface="Arial" pitchFamily="34" charset="0"/>
-              <a:buChar char="–"/>
-              <a:defRPr sz="2800" kern="1200">
-                <a:solidFill>
-                  <a:schemeClr val="tx1"/>
-                </a:solidFill>
-                <a:latin typeface="+mn-lt"/>
-                <a:ea typeface="+mn-ea"/>
-                <a:cs typeface="+mn-cs"/>
-              </a:defRPr>
-            </a:lvl2pPr>
-            <a:lvl3pPr marL="1142971" indent="-228594" algn="l" defTabSz="914377" rtl="0" eaLnBrk="1" latinLnBrk="0" hangingPunct="1">
-              <a:spcBef>
-                <a:spcPct val="20000"/>
-              </a:spcBef>
-              <a:buFont typeface="Arial" pitchFamily="34" charset="0"/>
-              <a:buChar char="•"/>
-              <a:defRPr sz="2400" kern="1200">
-                <a:solidFill>
-                  <a:schemeClr val="tx1"/>
-                </a:solidFill>
-                <a:latin typeface="+mn-lt"/>
-                <a:ea typeface="+mn-ea"/>
-                <a:cs typeface="+mn-cs"/>
-              </a:defRPr>
-            </a:lvl3pPr>
-            <a:lvl4pPr marL="1600160" indent="-228594" algn="l" defTabSz="914377" rtl="0" eaLnBrk="1" latinLnBrk="0" hangingPunct="1">
-              <a:spcBef>
-                <a:spcPct val="20000"/>
-              </a:spcBef>
-              <a:buFont typeface="Arial" pitchFamily="34" charset="0"/>
-              <a:buChar char="–"/>
-              <a:defRPr sz="2000" kern="1200">
-                <a:solidFill>
-                  <a:schemeClr val="tx1"/>
-                </a:solidFill>
-                <a:latin typeface="+mn-lt"/>
-                <a:ea typeface="+mn-ea"/>
-                <a:cs typeface="+mn-cs"/>
-              </a:defRPr>
-            </a:lvl4pPr>
-            <a:lvl5pPr marL="2057349" indent="-228594" algn="l" defTabSz="914377" rtl="0" eaLnBrk="1" latinLnBrk="0" hangingPunct="1">
-              <a:spcBef>
-                <a:spcPct val="20000"/>
-              </a:spcBef>
-              <a:buFont typeface="Arial" pitchFamily="34" charset="0"/>
-              <a:buChar char="»"/>
-              <a:defRPr sz="2000" kern="1200">
-                <a:solidFill>
-                  <a:schemeClr val="tx1"/>
-                </a:solidFill>
-                <a:latin typeface="+mn-lt"/>
-                <a:ea typeface="+mn-ea"/>
-                <a:cs typeface="+mn-cs"/>
-              </a:defRPr>
-            </a:lvl5pPr>
-            <a:lvl6pPr marL="2514537" indent="-228594" algn="l" defTabSz="914377" rtl="0" eaLnBrk="1" latinLnBrk="0" hangingPunct="1">
-              <a:spcBef>
-                <a:spcPct val="20000"/>
-              </a:spcBef>
-              <a:buFont typeface="Arial" pitchFamily="34" charset="0"/>
-              <a:buChar char="•"/>
-              <a:defRPr sz="2000" kern="1200">
-                <a:solidFill>
-                  <a:schemeClr val="tx1"/>
-                </a:solidFill>
-                <a:latin typeface="+mn-lt"/>
-                <a:ea typeface="+mn-ea"/>
-                <a:cs typeface="+mn-cs"/>
-              </a:defRPr>
-            </a:lvl6pPr>
-            <a:lvl7pPr marL="2971726" indent="-228594" algn="l" defTabSz="914377" rtl="0" eaLnBrk="1" latinLnBrk="0" hangingPunct="1">
-              <a:spcBef>
-                <a:spcPct val="20000"/>
-              </a:spcBef>
-              <a:buFont typeface="Arial" pitchFamily="34" charset="0"/>
-              <a:buChar char="•"/>
-              <a:defRPr sz="2000" kern="1200">
-                <a:solidFill>
-                  <a:schemeClr val="tx1"/>
-                </a:solidFill>
-                <a:latin typeface="+mn-lt"/>
-                <a:ea typeface="+mn-ea"/>
-                <a:cs typeface="+mn-cs"/>
-              </a:defRPr>
-            </a:lvl7pPr>
-            <a:lvl8pPr marL="3428914" indent="-228594" algn="l" defTabSz="914377" rtl="0" eaLnBrk="1" latinLnBrk="0" hangingPunct="1">
-              <a:spcBef>
-                <a:spcPct val="20000"/>
-              </a:spcBef>
-              <a:buFont typeface="Arial" pitchFamily="34" charset="0"/>
-              <a:buChar char="•"/>
-              <a:defRPr sz="2000" kern="1200">
-                <a:solidFill>
-                  <a:schemeClr val="tx1"/>
-                </a:solidFill>
-                <a:latin typeface="+mn-lt"/>
-                <a:ea typeface="+mn-ea"/>
-                <a:cs typeface="+mn-cs"/>
-              </a:defRPr>
-            </a:lvl8pPr>
-            <a:lvl9pPr marL="3886103" indent="-228594" algn="l" defTabSz="914377" rtl="0" eaLnBrk="1" latinLnBrk="0" hangingPunct="1">
-              <a:spcBef>
-                <a:spcPct val="20000"/>
-              </a:spcBef>
-              <a:buFont typeface="Arial" pitchFamily="34" charset="0"/>
-              <a:buChar char="•"/>
-              <a:defRPr sz="2000" kern="1200">
-                <a:solidFill>
-                  <a:schemeClr val="tx1"/>
-                </a:solidFill>
-                <a:latin typeface="+mn-lt"/>
-                <a:ea typeface="+mn-ea"/>
-                <a:cs typeface="+mn-cs"/>
-              </a:defRPr>
-            </a:lvl9pPr>
-          </a:lstStyle>
-          <a:p>
-            <a:r>
-              <a:rPr lang="en-US" altLang="en-US" sz="2500" dirty="0"/>
-              <a:t>Current Folder window shows files; the folder set as the Current Folder is where files will be saved</a:t>
-            </a:r>
-          </a:p>
-          <a:p>
-            <a:r>
-              <a:rPr lang="en-US" altLang="en-US" sz="2500" dirty="0"/>
-              <a:t>Workspace Window: shows variables (discussed next)</a:t>
-            </a:r>
-          </a:p>
-          <a:p>
-            <a:r>
-              <a:rPr lang="en-US" altLang="en-US" sz="2500" dirty="0"/>
-              <a:t>Command History Window: shows commands that have been entered and on what date</a:t>
-            </a:r>
-          </a:p>
-          <a:p>
-            <a:r>
-              <a:rPr lang="en-US" altLang="en-US" sz="2500" dirty="0" err="1"/>
-              <a:t>Toolstrip</a:t>
-            </a:r>
-            <a:r>
-              <a:rPr lang="en-US" altLang="en-US" sz="2500" dirty="0"/>
-              <a:t> on top has tabs for HOME (the default), PLOTS, and APPS</a:t>
-            </a:r>
-          </a:p>
-          <a:p>
-            <a:r>
-              <a:rPr lang="en-US" altLang="en-US" sz="2500" dirty="0"/>
-              <a:t>HOME tab is divided into functional sections FILE, VARIABLE, CODE, ENVIRONMENT, RESOURCES</a:t>
-            </a:r>
-          </a:p>
-          <a:p>
-            <a:pPr lvl="1"/>
-            <a:r>
-              <a:rPr lang="en-US" altLang="en-US" sz="2500" dirty="0"/>
-              <a:t>Under ENVIRONMENT, Layout allows for customization of the Desktop Environment</a:t>
-            </a:r>
           </a:p>
         </p:txBody>
       </p:sp>
     </p:spTree>
     <p:extLst>
       <p:ext uri="{BB962C8B-B14F-4D97-AF65-F5344CB8AC3E}">
-        <p14:creationId xmlns:p14="http://schemas.microsoft.com/office/powerpoint/2010/main" val="1633375646"/>
+        <p14:creationId xmlns:p14="http://schemas.microsoft.com/office/powerpoint/2010/main" val="4023255603"/>
       </p:ext>
     </p:extLst>
   </p:cSld>
   <p:clrMapOvr>
     <a:masterClrMapping/>
   </p:clrMapOvr>
-  <p:timing>
-    <p:tnLst>
-      <p:par>
-        <p:cTn id="1" dur="indefinite" restart="never" nodeType="tmRoot"/>
-      </p:par>
-    </p:tnLst>
-  </p:timing>
 </p:sld>
 </file>
 
@@ -5066,7 +5078,7 @@
           <a:p>
             <a:r>
               <a:rPr lang="en-US" altLang="en-US" dirty="0"/>
-              <a:t>Live Scripts</a:t>
+              <a:t>Desktop Environment</a:t>
             </a:r>
             <a:endParaRPr lang="en-US" dirty="0"/>
           </a:p>
@@ -5230,52 +5242,43 @@
           </a:lstStyle>
           <a:p>
             <a:r>
-              <a:rPr lang="en-US" altLang="en-US" sz="2800" dirty="0"/>
-              <a:t>Live scripts are created using the Live Editor</a:t>
-            </a:r>
-          </a:p>
-          <a:p>
-            <a:r>
-              <a:rPr lang="en-US" altLang="en-US" sz="2800" dirty="0"/>
-              <a:t>Can embed equations, images, formatted text, and hyperlinks </a:t>
-            </a:r>
-          </a:p>
-          <a:p>
-            <a:r>
-              <a:rPr lang="en-US" altLang="en-US" sz="2800" dirty="0"/>
-              <a:t>Equations can be created using </a:t>
-            </a:r>
-            <a:r>
-              <a:rPr lang="en-US" altLang="en-US" sz="2800" dirty="0" err="1"/>
-              <a:t>LaTex</a:t>
-            </a:r>
-            <a:r>
-              <a:rPr lang="en-US" altLang="en-US" sz="2800" dirty="0"/>
-              <a:t> notation or using equation editors</a:t>
-            </a:r>
-          </a:p>
-          <a:p>
-            <a:r>
-              <a:rPr lang="en-US" altLang="en-US" sz="2800" dirty="0"/>
-              <a:t>Plots are shown in the live script instead of in separate Figure Windows</a:t>
-            </a:r>
-          </a:p>
-          <a:p>
-            <a:r>
-              <a:rPr lang="en-US" altLang="en-US" sz="2800" dirty="0"/>
-              <a:t>Functions can be in live scripts</a:t>
-            </a:r>
-          </a:p>
-          <a:p>
-            <a:r>
-              <a:rPr lang="en-US" altLang="en-US" sz="2800" dirty="0"/>
-              <a:t>Live scripts are stored in .mlx files</a:t>
-            </a:r>
-          </a:p>
-          <a:p>
-            <a:r>
-              <a:rPr lang="en-US" altLang="en-US" sz="2800" dirty="0"/>
-              <a:t>Can be converted to PDF or HTML format</a:t>
+              <a:rPr lang="en-US" altLang="en-US" sz="2500" dirty="0"/>
+              <a:t>Current Folder window shows files; the folder set as the Current Folder is where files will be saved</a:t>
+            </a:r>
+          </a:p>
+          <a:p>
+            <a:r>
+              <a:rPr lang="en-US" altLang="en-US" sz="2500" dirty="0"/>
+              <a:t>Workspace Window: shows variables (discussed next)</a:t>
+            </a:r>
+          </a:p>
+          <a:p>
+            <a:r>
+              <a:rPr lang="en-US" altLang="en-US" sz="2500" dirty="0"/>
+              <a:t>Command History Window: shows commands that have been entered and on what date</a:t>
+            </a:r>
+          </a:p>
+          <a:p>
+            <a:r>
+              <a:rPr lang="en-US" altLang="en-US" sz="2500" dirty="0" err="1"/>
+              <a:t>Toolstrip</a:t>
+            </a:r>
+            <a:r>
+              <a:rPr lang="en-US" altLang="en-US" sz="2500" dirty="0"/>
+              <a:t> on top has tabs for HOME (the default), PLOTS, and APPS</a:t>
+            </a:r>
+          </a:p>
+          <a:p>
+            <a:r>
+              <a:rPr lang="en-US" altLang="en-US" sz="2500" dirty="0"/>
+              <a:t>HOME tab is divided into functional sections FILE, VARIABLE, CODE, ENVIRONMENT, RESOURCES</a:t>
+            </a:r>
+          </a:p>
+          <a:p>
+            <a:pPr lvl="1"/>
+            <a:r>
+              <a:rPr lang="en-US" altLang="en-US" sz="2500" dirty="0"/>
+              <a:t>Under ENVIRONMENT, Layout allows for customization of the Desktop Environment</a:t>
             </a:r>
           </a:p>
         </p:txBody>
@@ -5283,7 +5286,7 @@
     </p:spTree>
     <p:extLst>
       <p:ext uri="{BB962C8B-B14F-4D97-AF65-F5344CB8AC3E}">
-        <p14:creationId xmlns:p14="http://schemas.microsoft.com/office/powerpoint/2010/main" val="4174300267"/>
+        <p14:creationId xmlns:p14="http://schemas.microsoft.com/office/powerpoint/2010/main" val="1633375646"/>
       </p:ext>
     </p:extLst>
   </p:cSld>
@@ -5334,7 +5337,7 @@
           <a:p>
             <a:r>
               <a:rPr lang="en-US" altLang="en-US" dirty="0"/>
-              <a:t>Code Cells and Publishing</a:t>
+              <a:t>Live Scripts</a:t>
             </a:r>
             <a:endParaRPr lang="en-US" dirty="0"/>
           </a:p>
@@ -5499,35 +5502,51 @@
           <a:p>
             <a:r>
               <a:rPr lang="en-US" altLang="en-US" sz="2800" dirty="0"/>
-              <a:t>Code in scripts can be broken into sections called </a:t>
-            </a:r>
-            <a:r>
-              <a:rPr lang="en-US" altLang="en-US" sz="2800" b="1" i="1" dirty="0"/>
-              <a:t>code cells</a:t>
+              <a:t>Live scripts are created using the Live Editor</a:t>
             </a:r>
           </a:p>
           <a:p>
             <a:r>
               <a:rPr lang="en-US" altLang="en-US" sz="2800" dirty="0"/>
-              <a:t>You can run one code cell at a time</a:t>
+              <a:t>Can embed equations, images, formatted text, and hyperlinks </a:t>
             </a:r>
           </a:p>
           <a:p>
             <a:r>
               <a:rPr lang="en-US" altLang="en-US" sz="2800" dirty="0"/>
-              <a:t>Code cells are created with comments that start with two %%</a:t>
-            </a:r>
-          </a:p>
-          <a:p>
+              <a:t>Equations can be created using </a:t>
+            </a:r>
+            <a:r>
+              <a:rPr lang="en-US" altLang="en-US" sz="2800" dirty="0" err="1"/>
+              <a:t>LaTex</a:t>
+            </a:r>
             <a:r>
               <a:rPr lang="en-US" altLang="en-US" sz="2800" dirty="0"/>
-              <a:t>Code in code cells can also be published in HTML format with plots embedded and with formatted equations</a:t>
+              <a:t> notation or using equation editors</a:t>
             </a:r>
           </a:p>
           <a:p>
             <a:r>
               <a:rPr lang="en-US" altLang="en-US" sz="2800" dirty="0"/>
-              <a:t>Do this from the Publish tab in the Editor</a:t>
+              <a:t>Plots are shown in the live script instead of in separate Figure Windows</a:t>
+            </a:r>
+          </a:p>
+          <a:p>
+            <a:r>
+              <a:rPr lang="en-US" altLang="en-US" sz="2800" dirty="0"/>
+              <a:t>Functions can be in live scripts</a:t>
+            </a:r>
+          </a:p>
+          <a:p>
+            <a:r>
+              <a:rPr lang="en-US" altLang="en-US" sz="2800" dirty="0"/>
+              <a:t>Live scripts are stored in .mlx files</a:t>
+            </a:r>
+          </a:p>
+          <a:p>
+            <a:r>
+              <a:rPr lang="en-US" altLang="en-US" sz="2800" dirty="0"/>
+              <a:t>Can be converted to PDF or HTML format</a:t>
             </a:r>
           </a:p>
         </p:txBody>
@@ -5535,7 +5554,7 @@
     </p:spTree>
     <p:extLst>
       <p:ext uri="{BB962C8B-B14F-4D97-AF65-F5344CB8AC3E}">
-        <p14:creationId xmlns:p14="http://schemas.microsoft.com/office/powerpoint/2010/main" val="3342696914"/>
+        <p14:creationId xmlns:p14="http://schemas.microsoft.com/office/powerpoint/2010/main" val="4174300267"/>
       </p:ext>
     </p:extLst>
   </p:cSld>
@@ -5585,8 +5604,8 @@
           <a:lstStyle/>
           <a:p>
             <a:r>
-              <a:rPr lang="en-US" dirty="0" smtClean="0"/>
-              <a:t>Shortcut (Midterm Exam)</a:t>
+              <a:rPr lang="en-US" altLang="en-US" dirty="0"/>
+              <a:t>Code Cells and Publishing</a:t>
             </a:r>
             <a:endParaRPr lang="en-US" dirty="0"/>
           </a:p>
@@ -5602,7 +5621,7 @@
         </p:nvSpPr>
         <p:spPr>
           <a:xfrm>
-            <a:off x="462611" y="1197624"/>
+            <a:off x="457200" y="1192213"/>
             <a:ext cx="11080750" cy="4389437"/>
           </a:xfrm>
           <a:prstGeom prst="rect">
@@ -5751,50 +5770,43 @@
           <a:p>
             <a:r>
               <a:rPr lang="en-US" altLang="en-US" sz="2800" dirty="0"/>
-              <a:t>If arguments are passed to a function in the function call, do not replace these values by using </a:t>
-            </a:r>
-            <a:r>
-              <a:rPr lang="en-US" altLang="en-US" sz="2800" b="1" dirty="0"/>
-              <a:t>input</a:t>
-            </a:r>
+              <a:t>Code in scripts can be broken into sections called </a:t>
+            </a:r>
+            <a:r>
+              <a:rPr lang="en-US" altLang="en-US" sz="2800" b="1" i="1" dirty="0"/>
+              <a:t>code cells</a:t>
+            </a:r>
+          </a:p>
+          <a:p>
             <a:r>
               <a:rPr lang="en-US" altLang="en-US" sz="2800" dirty="0"/>
-              <a:t> in the function itself. </a:t>
+              <a:t>You can run one code cell at a time</a:t>
             </a:r>
           </a:p>
           <a:p>
             <a:r>
               <a:rPr lang="en-US" altLang="en-US" sz="2800" dirty="0"/>
-              <a:t>Functions that calculate and return value(s) will not normally also print them. </a:t>
+              <a:t>Code cells are created with comments that start with two %%</a:t>
             </a:r>
           </a:p>
           <a:p>
             <a:r>
               <a:rPr lang="en-US" altLang="en-US" sz="2800" dirty="0"/>
-              <a:t>Functions should not normally be longer than one page in length </a:t>
+              <a:t>Code in code cells can also be published in HTML format with plots embedded and with formatted equations</a:t>
             </a:r>
           </a:p>
           <a:p>
             <a:r>
               <a:rPr lang="en-US" altLang="en-US" sz="2800" dirty="0"/>
-              <a:t>Do not declare variables in the Command Window and then use them in a script, or vice versa.</a:t>
-            </a:r>
-          </a:p>
-          <a:p>
-            <a:r>
-              <a:rPr lang="en-US" altLang="en-US" sz="2800" dirty="0"/>
-              <a:t>Pass all values to be used in functions to input arguments in the functions.</a:t>
-            </a:r>
-          </a:p>
-          <a:p>
-            <a:endParaRPr lang="en-US" altLang="en-US" sz="2800" dirty="0"/>
+              <a:t>Do this from the Publish tab in the Editor</a:t>
+            </a:r>
           </a:p>
         </p:txBody>
       </p:sp>
     </p:spTree>
     <p:extLst>
       <p:ext uri="{BB962C8B-B14F-4D97-AF65-F5344CB8AC3E}">
-        <p14:creationId xmlns:p14="http://schemas.microsoft.com/office/powerpoint/2010/main" val="433370322"/>
+        <p14:creationId xmlns:p14="http://schemas.microsoft.com/office/powerpoint/2010/main" val="3342696914"/>
       </p:ext>
     </p:extLst>
   </p:cSld>
@@ -5845,22 +5857,228 @@
           <a:p>
             <a:r>
               <a:rPr lang="en-US" dirty="0" smtClean="0"/>
-              <a:t>Color Scheme for Eye Strain</a:t>
+              <a:t>Shortcut (Midterm Exam)</a:t>
             </a:r>
             <a:endParaRPr lang="en-US" dirty="0"/>
+          </a:p>
+        </p:txBody>
+      </p:sp>
+      <p:sp>
+        <p:nvSpPr>
+          <p:cNvPr id="3" name="Rectangle 3"/>
+          <p:cNvSpPr txBox="1">
+            <a:spLocks/>
+          </p:cNvSpPr>
+          <p:nvPr/>
+        </p:nvSpPr>
+        <p:spPr>
+          <a:xfrm>
+            <a:off x="462611" y="1197624"/>
+            <a:ext cx="11080750" cy="4389437"/>
+          </a:xfrm>
+          <a:prstGeom prst="rect">
+            <a:avLst/>
+          </a:prstGeom>
+        </p:spPr>
+        <p:txBody>
+          <a:bodyPr/>
+          <a:lstStyle>
+            <a:lvl1pPr marL="342891" indent="-342891" algn="l" defTabSz="914377" rtl="0" eaLnBrk="1" latinLnBrk="0" hangingPunct="1">
+              <a:spcBef>
+                <a:spcPct val="20000"/>
+              </a:spcBef>
+              <a:buFont typeface="Arial" pitchFamily="34" charset="0"/>
+              <a:buChar char="•"/>
+              <a:defRPr sz="3200" kern="1200">
+                <a:solidFill>
+                  <a:schemeClr val="tx1"/>
+                </a:solidFill>
+                <a:latin typeface="+mn-lt"/>
+                <a:ea typeface="+mn-ea"/>
+                <a:cs typeface="+mn-cs"/>
+              </a:defRPr>
+            </a:lvl1pPr>
+            <a:lvl2pPr marL="742932" indent="-285744" algn="l" defTabSz="914377" rtl="0" eaLnBrk="1" latinLnBrk="0" hangingPunct="1">
+              <a:spcBef>
+                <a:spcPct val="20000"/>
+              </a:spcBef>
+              <a:buFont typeface="Arial" pitchFamily="34" charset="0"/>
+              <a:buChar char="–"/>
+              <a:defRPr sz="2800" kern="1200">
+                <a:solidFill>
+                  <a:schemeClr val="tx1"/>
+                </a:solidFill>
+                <a:latin typeface="+mn-lt"/>
+                <a:ea typeface="+mn-ea"/>
+                <a:cs typeface="+mn-cs"/>
+              </a:defRPr>
+            </a:lvl2pPr>
+            <a:lvl3pPr marL="1142971" indent="-228594" algn="l" defTabSz="914377" rtl="0" eaLnBrk="1" latinLnBrk="0" hangingPunct="1">
+              <a:spcBef>
+                <a:spcPct val="20000"/>
+              </a:spcBef>
+              <a:buFont typeface="Arial" pitchFamily="34" charset="0"/>
+              <a:buChar char="•"/>
+              <a:defRPr sz="2400" kern="1200">
+                <a:solidFill>
+                  <a:schemeClr val="tx1"/>
+                </a:solidFill>
+                <a:latin typeface="+mn-lt"/>
+                <a:ea typeface="+mn-ea"/>
+                <a:cs typeface="+mn-cs"/>
+              </a:defRPr>
+            </a:lvl3pPr>
+            <a:lvl4pPr marL="1600160" indent="-228594" algn="l" defTabSz="914377" rtl="0" eaLnBrk="1" latinLnBrk="0" hangingPunct="1">
+              <a:spcBef>
+                <a:spcPct val="20000"/>
+              </a:spcBef>
+              <a:buFont typeface="Arial" pitchFamily="34" charset="0"/>
+              <a:buChar char="–"/>
+              <a:defRPr sz="2000" kern="1200">
+                <a:solidFill>
+                  <a:schemeClr val="tx1"/>
+                </a:solidFill>
+                <a:latin typeface="+mn-lt"/>
+                <a:ea typeface="+mn-ea"/>
+                <a:cs typeface="+mn-cs"/>
+              </a:defRPr>
+            </a:lvl4pPr>
+            <a:lvl5pPr marL="2057349" indent="-228594" algn="l" defTabSz="914377" rtl="0" eaLnBrk="1" latinLnBrk="0" hangingPunct="1">
+              <a:spcBef>
+                <a:spcPct val="20000"/>
+              </a:spcBef>
+              <a:buFont typeface="Arial" pitchFamily="34" charset="0"/>
+              <a:buChar char="»"/>
+              <a:defRPr sz="2000" kern="1200">
+                <a:solidFill>
+                  <a:schemeClr val="tx1"/>
+                </a:solidFill>
+                <a:latin typeface="+mn-lt"/>
+                <a:ea typeface="+mn-ea"/>
+                <a:cs typeface="+mn-cs"/>
+              </a:defRPr>
+            </a:lvl5pPr>
+            <a:lvl6pPr marL="2514537" indent="-228594" algn="l" defTabSz="914377" rtl="0" eaLnBrk="1" latinLnBrk="0" hangingPunct="1">
+              <a:spcBef>
+                <a:spcPct val="20000"/>
+              </a:spcBef>
+              <a:buFont typeface="Arial" pitchFamily="34" charset="0"/>
+              <a:buChar char="•"/>
+              <a:defRPr sz="2000" kern="1200">
+                <a:solidFill>
+                  <a:schemeClr val="tx1"/>
+                </a:solidFill>
+                <a:latin typeface="+mn-lt"/>
+                <a:ea typeface="+mn-ea"/>
+                <a:cs typeface="+mn-cs"/>
+              </a:defRPr>
+            </a:lvl6pPr>
+            <a:lvl7pPr marL="2971726" indent="-228594" algn="l" defTabSz="914377" rtl="0" eaLnBrk="1" latinLnBrk="0" hangingPunct="1">
+              <a:spcBef>
+                <a:spcPct val="20000"/>
+              </a:spcBef>
+              <a:buFont typeface="Arial" pitchFamily="34" charset="0"/>
+              <a:buChar char="•"/>
+              <a:defRPr sz="2000" kern="1200">
+                <a:solidFill>
+                  <a:schemeClr val="tx1"/>
+                </a:solidFill>
+                <a:latin typeface="+mn-lt"/>
+                <a:ea typeface="+mn-ea"/>
+                <a:cs typeface="+mn-cs"/>
+              </a:defRPr>
+            </a:lvl7pPr>
+            <a:lvl8pPr marL="3428914" indent="-228594" algn="l" defTabSz="914377" rtl="0" eaLnBrk="1" latinLnBrk="0" hangingPunct="1">
+              <a:spcBef>
+                <a:spcPct val="20000"/>
+              </a:spcBef>
+              <a:buFont typeface="Arial" pitchFamily="34" charset="0"/>
+              <a:buChar char="•"/>
+              <a:defRPr sz="2000" kern="1200">
+                <a:solidFill>
+                  <a:schemeClr val="tx1"/>
+                </a:solidFill>
+                <a:latin typeface="+mn-lt"/>
+                <a:ea typeface="+mn-ea"/>
+                <a:cs typeface="+mn-cs"/>
+              </a:defRPr>
+            </a:lvl8pPr>
+            <a:lvl9pPr marL="3886103" indent="-228594" algn="l" defTabSz="914377" rtl="0" eaLnBrk="1" latinLnBrk="0" hangingPunct="1">
+              <a:spcBef>
+                <a:spcPct val="20000"/>
+              </a:spcBef>
+              <a:buFont typeface="Arial" pitchFamily="34" charset="0"/>
+              <a:buChar char="•"/>
+              <a:defRPr sz="2000" kern="1200">
+                <a:solidFill>
+                  <a:schemeClr val="tx1"/>
+                </a:solidFill>
+                <a:latin typeface="+mn-lt"/>
+                <a:ea typeface="+mn-ea"/>
+                <a:cs typeface="+mn-cs"/>
+              </a:defRPr>
+            </a:lvl9pPr>
+          </a:lstStyle>
+          <a:p>
+            <a:r>
+              <a:rPr lang="en-US" altLang="en-US" sz="2800" dirty="0"/>
+              <a:t>If arguments are passed to a function in the function call, do not replace these values by using </a:t>
+            </a:r>
+            <a:r>
+              <a:rPr lang="en-US" altLang="en-US" sz="2800" b="1" dirty="0"/>
+              <a:t>input</a:t>
+            </a:r>
+            <a:r>
+              <a:rPr lang="en-US" altLang="en-US" sz="2800" dirty="0"/>
+              <a:t> in the function itself. </a:t>
+            </a:r>
+          </a:p>
+          <a:p>
+            <a:r>
+              <a:rPr lang="en-US" altLang="en-US" sz="2800" dirty="0"/>
+              <a:t>Functions that calculate and return value(s) will not normally also print them. </a:t>
+            </a:r>
+          </a:p>
+          <a:p>
+            <a:r>
+              <a:rPr lang="en-US" altLang="en-US" sz="2800" dirty="0"/>
+              <a:t>Functions should not normally be longer than one page in length </a:t>
+            </a:r>
+          </a:p>
+          <a:p>
+            <a:r>
+              <a:rPr lang="en-US" altLang="en-US" sz="2800" dirty="0"/>
+              <a:t>Do not declare variables in the Command Window and then use them in a script, or vice versa.</a:t>
+            </a:r>
+          </a:p>
+          <a:p>
+            <a:r>
+              <a:rPr lang="en-US" altLang="en-US" sz="2800" dirty="0"/>
+              <a:t>Pass all values to be used in functions to input arguments in the functions.</a:t>
+            </a:r>
+          </a:p>
+          <a:p>
+            <a:endParaRPr lang="en-US" altLang="en-US" sz="2800" dirty="0"/>
           </a:p>
         </p:txBody>
       </p:sp>
     </p:spTree>
     <p:extLst>
       <p:ext uri="{BB962C8B-B14F-4D97-AF65-F5344CB8AC3E}">
-        <p14:creationId xmlns:p14="http://schemas.microsoft.com/office/powerpoint/2010/main" val="4148279319"/>
+        <p14:creationId xmlns:p14="http://schemas.microsoft.com/office/powerpoint/2010/main" val="433370322"/>
       </p:ext>
     </p:extLst>
   </p:cSld>
   <p:clrMapOvr>
     <a:masterClrMapping/>
   </p:clrMapOvr>
+  <p:timing>
+    <p:tnLst>
+      <p:par>
+        <p:cTn id="1" dur="indefinite" restart="never" nodeType="tmRoot"/>
+      </p:par>
+    </p:tnLst>
+  </p:timing>
 </p:sld>
 </file>
 
